--- a/第3章-空间数据读写及可视化/第2节-栅格数据读写及可视化-4课时.pptx
+++ b/第3章-空间数据读写及可视化/第2节-栅格数据读写及可视化-4课时.pptx
@@ -2362,6 +2362,120 @@
     </pc:docChg>
   </pc:docChgLst>
   <pc:docChgLst>
+    <pc:chgData name="Xin Luo" userId="82312ee5779919a4" providerId="LiveId" clId="{B3A5D6E2-E1E7-F74F-B1B9-B3FB273062A8}"/>
+    <pc:docChg chg="undo custSel addSld delSld modSld">
+      <pc:chgData name="Xin Luo" userId="82312ee5779919a4" providerId="LiveId" clId="{B3A5D6E2-E1E7-F74F-B1B9-B3FB273062A8}" dt="2024-04-21T15:23:53.966" v="354" actId="14100"/>
+      <pc:docMkLst>
+        <pc:docMk/>
+      </pc:docMkLst>
+      <pc:sldChg chg="modSp mod">
+        <pc:chgData name="Xin Luo" userId="82312ee5779919a4" providerId="LiveId" clId="{B3A5D6E2-E1E7-F74F-B1B9-B3FB273062A8}" dt="2024-04-21T13:46:59.106" v="19" actId="20577"/>
+        <pc:sldMkLst>
+          <pc:docMk/>
+          <pc:sldMk cId="1576120367" sldId="2387"/>
+        </pc:sldMkLst>
+        <pc:spChg chg="mod">
+          <ac:chgData name="Xin Luo" userId="82312ee5779919a4" providerId="LiveId" clId="{B3A5D6E2-E1E7-F74F-B1B9-B3FB273062A8}" dt="2024-04-21T13:46:59.106" v="19" actId="20577"/>
+          <ac:spMkLst>
+            <pc:docMk/>
+            <pc:sldMk cId="1576120367" sldId="2387"/>
+            <ac:spMk id="5" creationId="{494DAA55-5621-28DB-D255-E0EBB6C6477B}"/>
+          </ac:spMkLst>
+        </pc:spChg>
+      </pc:sldChg>
+      <pc:sldChg chg="del">
+        <pc:chgData name="Xin Luo" userId="82312ee5779919a4" providerId="LiveId" clId="{B3A5D6E2-E1E7-F74F-B1B9-B3FB273062A8}" dt="2024-04-21T15:22:49.226" v="273" actId="2696"/>
+        <pc:sldMkLst>
+          <pc:docMk/>
+          <pc:sldMk cId="1432008115" sldId="2764"/>
+        </pc:sldMkLst>
+      </pc:sldChg>
+      <pc:sldChg chg="delSp del mod">
+        <pc:chgData name="Xin Luo" userId="82312ee5779919a4" providerId="LiveId" clId="{B3A5D6E2-E1E7-F74F-B1B9-B3FB273062A8}" dt="2024-04-21T15:22:46.734" v="272" actId="2696"/>
+        <pc:sldMkLst>
+          <pc:docMk/>
+          <pc:sldMk cId="801153856" sldId="2772"/>
+        </pc:sldMkLst>
+        <pc:picChg chg="del">
+          <ac:chgData name="Xin Luo" userId="82312ee5779919a4" providerId="LiveId" clId="{B3A5D6E2-E1E7-F74F-B1B9-B3FB273062A8}" dt="2024-04-21T13:47:10.106" v="22" actId="478"/>
+          <ac:picMkLst>
+            <pc:docMk/>
+            <pc:sldMk cId="801153856" sldId="2772"/>
+            <ac:picMk id="9" creationId="{13A6DA0D-797C-2318-878F-BB0AFBD2BAFA}"/>
+          </ac:picMkLst>
+        </pc:picChg>
+        <pc:picChg chg="del">
+          <ac:chgData name="Xin Luo" userId="82312ee5779919a4" providerId="LiveId" clId="{B3A5D6E2-E1E7-F74F-B1B9-B3FB273062A8}" dt="2024-04-21T13:47:09.456" v="21" actId="478"/>
+          <ac:picMkLst>
+            <pc:docMk/>
+            <pc:sldMk cId="801153856" sldId="2772"/>
+            <ac:picMk id="11" creationId="{427D60F7-E1E0-854B-EAF5-6E3E82106D84}"/>
+          </ac:picMkLst>
+        </pc:picChg>
+      </pc:sldChg>
+      <pc:sldChg chg="del">
+        <pc:chgData name="Xin Luo" userId="82312ee5779919a4" providerId="LiveId" clId="{B3A5D6E2-E1E7-F74F-B1B9-B3FB273062A8}" dt="2024-04-21T13:42:40.385" v="0" actId="2696"/>
+        <pc:sldMkLst>
+          <pc:docMk/>
+          <pc:sldMk cId="500727640" sldId="2773"/>
+        </pc:sldMkLst>
+      </pc:sldChg>
+      <pc:sldChg chg="modSp add mod">
+        <pc:chgData name="Xin Luo" userId="82312ee5779919a4" providerId="LiveId" clId="{B3A5D6E2-E1E7-F74F-B1B9-B3FB273062A8}" dt="2024-04-21T13:42:50.307" v="9" actId="20577"/>
+        <pc:sldMkLst>
+          <pc:docMk/>
+          <pc:sldMk cId="997485932" sldId="2773"/>
+        </pc:sldMkLst>
+        <pc:spChg chg="mod">
+          <ac:chgData name="Xin Luo" userId="82312ee5779919a4" providerId="LiveId" clId="{B3A5D6E2-E1E7-F74F-B1B9-B3FB273062A8}" dt="2024-04-21T13:42:50.307" v="9" actId="20577"/>
+          <ac:spMkLst>
+            <pc:docMk/>
+            <pc:sldMk cId="997485932" sldId="2773"/>
+            <ac:spMk id="3" creationId="{00000000-0000-0000-0000-000000000000}"/>
+          </ac:spMkLst>
+        </pc:spChg>
+      </pc:sldChg>
+      <pc:sldChg chg="modSp add mod">
+        <pc:chgData name="Xin Luo" userId="82312ee5779919a4" providerId="LiveId" clId="{B3A5D6E2-E1E7-F74F-B1B9-B3FB273062A8}" dt="2024-04-21T14:10:15.600" v="71" actId="20577"/>
+        <pc:sldMkLst>
+          <pc:docMk/>
+          <pc:sldMk cId="3758895271" sldId="2774"/>
+        </pc:sldMkLst>
+        <pc:spChg chg="mod">
+          <ac:chgData name="Xin Luo" userId="82312ee5779919a4" providerId="LiveId" clId="{B3A5D6E2-E1E7-F74F-B1B9-B3FB273062A8}" dt="2024-04-21T14:10:15.600" v="71" actId="20577"/>
+          <ac:spMkLst>
+            <pc:docMk/>
+            <pc:sldMk cId="3758895271" sldId="2774"/>
+            <ac:spMk id="6" creationId="{6741FEA2-C046-FD82-2800-2CB513792080}"/>
+          </ac:spMkLst>
+        </pc:spChg>
+      </pc:sldChg>
+      <pc:sldChg chg="addSp modSp add mod">
+        <pc:chgData name="Xin Luo" userId="82312ee5779919a4" providerId="LiveId" clId="{B3A5D6E2-E1E7-F74F-B1B9-B3FB273062A8}" dt="2024-04-21T15:23:53.966" v="354" actId="14100"/>
+        <pc:sldMkLst>
+          <pc:docMk/>
+          <pc:sldMk cId="1804402094" sldId="2775"/>
+        </pc:sldMkLst>
+        <pc:spChg chg="add mod">
+          <ac:chgData name="Xin Luo" userId="82312ee5779919a4" providerId="LiveId" clId="{B3A5D6E2-E1E7-F74F-B1B9-B3FB273062A8}" dt="2024-04-21T15:23:53.966" v="354" actId="14100"/>
+          <ac:spMkLst>
+            <pc:docMk/>
+            <pc:sldMk cId="1804402094" sldId="2775"/>
+            <ac:spMk id="2" creationId="{09F7855C-086B-A802-8BE6-FCA9A736DC3D}"/>
+          </ac:spMkLst>
+        </pc:spChg>
+        <pc:spChg chg="mod">
+          <ac:chgData name="Xin Luo" userId="82312ee5779919a4" providerId="LiveId" clId="{B3A5D6E2-E1E7-F74F-B1B9-B3FB273062A8}" dt="2024-04-21T15:22:40.760" v="271" actId="113"/>
+          <ac:spMkLst>
+            <pc:docMk/>
+            <pc:sldMk cId="1804402094" sldId="2775"/>
+            <ac:spMk id="6" creationId="{6741FEA2-C046-FD82-2800-2CB513792080}"/>
+          </ac:spMkLst>
+        </pc:spChg>
+      </pc:sldChg>
+    </pc:docChg>
+  </pc:docChgLst>
+  <pc:docChgLst>
     <pc:chgData name="Xin Luo" userId="82312ee5779919a4" providerId="LiveId" clId="{ABECCF1F-1CAA-3A42-9710-47D9CB1C5B21}"/>
     <pc:docChg chg="undo custSel addSld modSld sldOrd">
       <pc:chgData name="Xin Luo" userId="82312ee5779919a4" providerId="LiveId" clId="{ABECCF1F-1CAA-3A42-9710-47D9CB1C5B21}" dt="2023-08-21T09:31:16.266" v="879" actId="20577"/>
@@ -2790,120 +2904,6 @@
             <ac:picMk id="9" creationId="{0CF46726-2B51-43A4-FDEF-A6131C46F05F}"/>
           </ac:picMkLst>
         </pc:picChg>
-      </pc:sldChg>
-    </pc:docChg>
-  </pc:docChgLst>
-  <pc:docChgLst>
-    <pc:chgData name="Xin Luo" userId="82312ee5779919a4" providerId="LiveId" clId="{B3A5D6E2-E1E7-F74F-B1B9-B3FB273062A8}"/>
-    <pc:docChg chg="undo custSel addSld delSld modSld">
-      <pc:chgData name="Xin Luo" userId="82312ee5779919a4" providerId="LiveId" clId="{B3A5D6E2-E1E7-F74F-B1B9-B3FB273062A8}" dt="2024-04-21T15:23:53.966" v="354" actId="14100"/>
-      <pc:docMkLst>
-        <pc:docMk/>
-      </pc:docMkLst>
-      <pc:sldChg chg="modSp mod">
-        <pc:chgData name="Xin Luo" userId="82312ee5779919a4" providerId="LiveId" clId="{B3A5D6E2-E1E7-F74F-B1B9-B3FB273062A8}" dt="2024-04-21T13:46:59.106" v="19" actId="20577"/>
-        <pc:sldMkLst>
-          <pc:docMk/>
-          <pc:sldMk cId="1576120367" sldId="2387"/>
-        </pc:sldMkLst>
-        <pc:spChg chg="mod">
-          <ac:chgData name="Xin Luo" userId="82312ee5779919a4" providerId="LiveId" clId="{B3A5D6E2-E1E7-F74F-B1B9-B3FB273062A8}" dt="2024-04-21T13:46:59.106" v="19" actId="20577"/>
-          <ac:spMkLst>
-            <pc:docMk/>
-            <pc:sldMk cId="1576120367" sldId="2387"/>
-            <ac:spMk id="5" creationId="{494DAA55-5621-28DB-D255-E0EBB6C6477B}"/>
-          </ac:spMkLst>
-        </pc:spChg>
-      </pc:sldChg>
-      <pc:sldChg chg="del">
-        <pc:chgData name="Xin Luo" userId="82312ee5779919a4" providerId="LiveId" clId="{B3A5D6E2-E1E7-F74F-B1B9-B3FB273062A8}" dt="2024-04-21T15:22:49.226" v="273" actId="2696"/>
-        <pc:sldMkLst>
-          <pc:docMk/>
-          <pc:sldMk cId="1432008115" sldId="2764"/>
-        </pc:sldMkLst>
-      </pc:sldChg>
-      <pc:sldChg chg="delSp del mod">
-        <pc:chgData name="Xin Luo" userId="82312ee5779919a4" providerId="LiveId" clId="{B3A5D6E2-E1E7-F74F-B1B9-B3FB273062A8}" dt="2024-04-21T15:22:46.734" v="272" actId="2696"/>
-        <pc:sldMkLst>
-          <pc:docMk/>
-          <pc:sldMk cId="801153856" sldId="2772"/>
-        </pc:sldMkLst>
-        <pc:picChg chg="del">
-          <ac:chgData name="Xin Luo" userId="82312ee5779919a4" providerId="LiveId" clId="{B3A5D6E2-E1E7-F74F-B1B9-B3FB273062A8}" dt="2024-04-21T13:47:10.106" v="22" actId="478"/>
-          <ac:picMkLst>
-            <pc:docMk/>
-            <pc:sldMk cId="801153856" sldId="2772"/>
-            <ac:picMk id="9" creationId="{13A6DA0D-797C-2318-878F-BB0AFBD2BAFA}"/>
-          </ac:picMkLst>
-        </pc:picChg>
-        <pc:picChg chg="del">
-          <ac:chgData name="Xin Luo" userId="82312ee5779919a4" providerId="LiveId" clId="{B3A5D6E2-E1E7-F74F-B1B9-B3FB273062A8}" dt="2024-04-21T13:47:09.456" v="21" actId="478"/>
-          <ac:picMkLst>
-            <pc:docMk/>
-            <pc:sldMk cId="801153856" sldId="2772"/>
-            <ac:picMk id="11" creationId="{427D60F7-E1E0-854B-EAF5-6E3E82106D84}"/>
-          </ac:picMkLst>
-        </pc:picChg>
-      </pc:sldChg>
-      <pc:sldChg chg="del">
-        <pc:chgData name="Xin Luo" userId="82312ee5779919a4" providerId="LiveId" clId="{B3A5D6E2-E1E7-F74F-B1B9-B3FB273062A8}" dt="2024-04-21T13:42:40.385" v="0" actId="2696"/>
-        <pc:sldMkLst>
-          <pc:docMk/>
-          <pc:sldMk cId="500727640" sldId="2773"/>
-        </pc:sldMkLst>
-      </pc:sldChg>
-      <pc:sldChg chg="modSp add mod">
-        <pc:chgData name="Xin Luo" userId="82312ee5779919a4" providerId="LiveId" clId="{B3A5D6E2-E1E7-F74F-B1B9-B3FB273062A8}" dt="2024-04-21T13:42:50.307" v="9" actId="20577"/>
-        <pc:sldMkLst>
-          <pc:docMk/>
-          <pc:sldMk cId="997485932" sldId="2773"/>
-        </pc:sldMkLst>
-        <pc:spChg chg="mod">
-          <ac:chgData name="Xin Luo" userId="82312ee5779919a4" providerId="LiveId" clId="{B3A5D6E2-E1E7-F74F-B1B9-B3FB273062A8}" dt="2024-04-21T13:42:50.307" v="9" actId="20577"/>
-          <ac:spMkLst>
-            <pc:docMk/>
-            <pc:sldMk cId="997485932" sldId="2773"/>
-            <ac:spMk id="3" creationId="{00000000-0000-0000-0000-000000000000}"/>
-          </ac:spMkLst>
-        </pc:spChg>
-      </pc:sldChg>
-      <pc:sldChg chg="modSp add mod">
-        <pc:chgData name="Xin Luo" userId="82312ee5779919a4" providerId="LiveId" clId="{B3A5D6E2-E1E7-F74F-B1B9-B3FB273062A8}" dt="2024-04-21T14:10:15.600" v="71" actId="20577"/>
-        <pc:sldMkLst>
-          <pc:docMk/>
-          <pc:sldMk cId="3758895271" sldId="2774"/>
-        </pc:sldMkLst>
-        <pc:spChg chg="mod">
-          <ac:chgData name="Xin Luo" userId="82312ee5779919a4" providerId="LiveId" clId="{B3A5D6E2-E1E7-F74F-B1B9-B3FB273062A8}" dt="2024-04-21T14:10:15.600" v="71" actId="20577"/>
-          <ac:spMkLst>
-            <pc:docMk/>
-            <pc:sldMk cId="3758895271" sldId="2774"/>
-            <ac:spMk id="6" creationId="{6741FEA2-C046-FD82-2800-2CB513792080}"/>
-          </ac:spMkLst>
-        </pc:spChg>
-      </pc:sldChg>
-      <pc:sldChg chg="addSp modSp add mod">
-        <pc:chgData name="Xin Luo" userId="82312ee5779919a4" providerId="LiveId" clId="{B3A5D6E2-E1E7-F74F-B1B9-B3FB273062A8}" dt="2024-04-21T15:23:53.966" v="354" actId="14100"/>
-        <pc:sldMkLst>
-          <pc:docMk/>
-          <pc:sldMk cId="1804402094" sldId="2775"/>
-        </pc:sldMkLst>
-        <pc:spChg chg="add mod">
-          <ac:chgData name="Xin Luo" userId="82312ee5779919a4" providerId="LiveId" clId="{B3A5D6E2-E1E7-F74F-B1B9-B3FB273062A8}" dt="2024-04-21T15:23:53.966" v="354" actId="14100"/>
-          <ac:spMkLst>
-            <pc:docMk/>
-            <pc:sldMk cId="1804402094" sldId="2775"/>
-            <ac:spMk id="2" creationId="{09F7855C-086B-A802-8BE6-FCA9A736DC3D}"/>
-          </ac:spMkLst>
-        </pc:spChg>
-        <pc:spChg chg="mod">
-          <ac:chgData name="Xin Luo" userId="82312ee5779919a4" providerId="LiveId" clId="{B3A5D6E2-E1E7-F74F-B1B9-B3FB273062A8}" dt="2024-04-21T15:22:40.760" v="271" actId="113"/>
-          <ac:spMkLst>
-            <pc:docMk/>
-            <pc:sldMk cId="1804402094" sldId="2775"/>
-            <ac:spMk id="6" creationId="{6741FEA2-C046-FD82-2800-2CB513792080}"/>
-          </ac:spMkLst>
-        </pc:spChg>
       </pc:sldChg>
     </pc:docChg>
   </pc:docChgLst>
@@ -8335,7 +8335,7 @@
               </a14:hiddenFill>
             </a:ext>
             <a:ext uri="{FAA26D3D-D897-4be2-8F04-BA451C77F1D7}">
-              <ma14:placeholderFlag xmlns:ma14="http://schemas.microsoft.com/office/mac/drawingml/2011/main" xmlns="" val="1"/>
+              <ma14:placeholderFlag xmlns="" xmlns:ma14="http://schemas.microsoft.com/office/mac/drawingml/2011/main" val="1"/>
             </a:ext>
           </a:extLst>
         </p:spPr>
@@ -8719,7 +8719,7 @@
               </a14:hiddenLine>
             </a:ext>
             <a:ext uri="{FAA26D3D-D897-4be2-8F04-BA451C77F1D7}">
-              <ma14:placeholderFlag xmlns:ma14="http://schemas.microsoft.com/office/mac/drawingml/2011/main" xmlns="" val="1"/>
+              <ma14:placeholderFlag xmlns="" xmlns:ma14="http://schemas.microsoft.com/office/mac/drawingml/2011/main" val="1"/>
             </a:ext>
           </a:extLst>
         </p:spPr>
@@ -11164,7 +11164,7 @@
               </a14:hiddenLine>
             </a:ext>
             <a:ext uri="{FAA26D3D-D897-4be2-8F04-BA451C77F1D7}">
-              <ma14:placeholderFlag xmlns:ma14="http://schemas.microsoft.com/office/mac/drawingml/2011/main" xmlns="" val="1"/>
+              <ma14:placeholderFlag xmlns="" xmlns:ma14="http://schemas.microsoft.com/office/mac/drawingml/2011/main" val="1"/>
             </a:ext>
           </a:extLst>
         </p:spPr>
@@ -14855,7 +14855,7 @@
               </a14:hiddenLine>
             </a:ext>
             <a:ext uri="{FAA26D3D-D897-4be2-8F04-BA451C77F1D7}">
-              <ma14:placeholderFlag xmlns:ma14="http://schemas.microsoft.com/office/mac/drawingml/2011/main" xmlns="" val="1"/>
+              <ma14:placeholderFlag xmlns="" xmlns:ma14="http://schemas.microsoft.com/office/mac/drawingml/2011/main" val="1"/>
             </a:ext>
           </a:extLst>
         </p:spPr>
@@ -18351,7 +18351,7 @@
         <p:spPr>
           <a:xfrm>
             <a:off x="239287" y="1069851"/>
-            <a:ext cx="8453300" cy="5063694"/>
+            <a:ext cx="8453300" cy="5471562"/>
           </a:xfrm>
           <a:prstGeom prst="rect">
             <a:avLst/>
@@ -18366,7 +18366,7 @@
           <a:p>
             <a:pPr algn="just">
               <a:lnSpc>
-                <a:spcPct val="150000"/>
+                <a:spcPct val="200000"/>
               </a:lnSpc>
             </a:pPr>
             <a:r>
@@ -18393,7 +18393,7 @@
           <a:p>
             <a:pPr algn="just">
               <a:lnSpc>
-                <a:spcPct val="150000"/>
+                <a:spcPct val="200000"/>
               </a:lnSpc>
             </a:pPr>
             <a:r>
@@ -18526,20 +18526,6 @@
               </a:rPr>
               <a:t>能够读取、写入和处理栅格数据，同时还提供了许多空间分析功能。</a:t>
             </a:r>
-            <a:endParaRPr lang="en-US" altLang="zh-CN" sz="2800" dirty="0">
-              <a:solidFill>
-                <a:srgbClr val="333333"/>
-              </a:solidFill>
-              <a:latin typeface="+mn-ea"/>
-              <a:ea typeface="+mn-ea"/>
-            </a:endParaRPr>
-          </a:p>
-          <a:p>
-            <a:pPr algn="just">
-              <a:lnSpc>
-                <a:spcPct val="150000"/>
-              </a:lnSpc>
-            </a:pPr>
             <a:endParaRPr lang="en-US" altLang="zh-CN" sz="2800" dirty="0">
               <a:solidFill>
                 <a:srgbClr val="333333"/>
